--- a/Later/Java Inner Class Access/Java Inner Class Access.pptx
+++ b/Later/Java Inner Class Access/Java Inner Class Access.pptx
@@ -192,7 +192,7 @@
           <a:p>
             <a:fld id="{62274EC6-3890-417B-9308-14EFBD00FA63}" type="datetimeFigureOut">
               <a:rPr lang="en-US" smtClean="0"/>
-              <a:t>11/30/2015</a:t>
+              <a:t>12/1/2015</a:t>
             </a:fld>
             <a:endParaRPr lang="en-US" dirty="0"/>
           </a:p>
@@ -731,7 +731,7 @@
             <a:fld id="{1D8BD707-D9CF-40AE-B4C6-C98DA3205C09}" type="datetimeFigureOut">
               <a:rPr lang="en-US" smtClean="0"/>
               <a:pPr/>
-              <a:t>11/30/2015</a:t>
+              <a:t>12/1/2015</a:t>
             </a:fld>
             <a:endParaRPr lang="en-US" dirty="0"/>
           </a:p>
@@ -903,7 +903,7 @@
             <a:fld id="{1D8BD707-D9CF-40AE-B4C6-C98DA3205C09}" type="datetimeFigureOut">
               <a:rPr lang="en-US" smtClean="0"/>
               <a:pPr/>
-              <a:t>11/30/2015</a:t>
+              <a:t>12/1/2015</a:t>
             </a:fld>
             <a:endParaRPr lang="en-US" dirty="0"/>
           </a:p>
@@ -1085,7 +1085,7 @@
             <a:fld id="{1D8BD707-D9CF-40AE-B4C6-C98DA3205C09}" type="datetimeFigureOut">
               <a:rPr lang="en-US" smtClean="0"/>
               <a:pPr/>
-              <a:t>11/30/2015</a:t>
+              <a:t>12/1/2015</a:t>
             </a:fld>
             <a:endParaRPr lang="en-US" dirty="0"/>
           </a:p>
@@ -1257,7 +1257,7 @@
             <a:fld id="{1D8BD707-D9CF-40AE-B4C6-C98DA3205C09}" type="datetimeFigureOut">
               <a:rPr lang="en-US" smtClean="0"/>
               <a:pPr/>
-              <a:t>11/30/2015</a:t>
+              <a:t>12/1/2015</a:t>
             </a:fld>
             <a:endParaRPr lang="en-US" dirty="0"/>
           </a:p>
@@ -1505,7 +1505,7 @@
             <a:fld id="{1D8BD707-D9CF-40AE-B4C6-C98DA3205C09}" type="datetimeFigureOut">
               <a:rPr lang="en-US" smtClean="0"/>
               <a:pPr/>
-              <a:t>11/30/2015</a:t>
+              <a:t>12/1/2015</a:t>
             </a:fld>
             <a:endParaRPr lang="en-US" dirty="0"/>
           </a:p>
@@ -1795,7 +1795,7 @@
             <a:fld id="{1D8BD707-D9CF-40AE-B4C6-C98DA3205C09}" type="datetimeFigureOut">
               <a:rPr lang="en-US" smtClean="0"/>
               <a:pPr/>
-              <a:t>11/30/2015</a:t>
+              <a:t>12/1/2015</a:t>
             </a:fld>
             <a:endParaRPr lang="en-US" dirty="0"/>
           </a:p>
@@ -2224,7 +2224,7 @@
             <a:fld id="{1D8BD707-D9CF-40AE-B4C6-C98DA3205C09}" type="datetimeFigureOut">
               <a:rPr lang="en-US" smtClean="0"/>
               <a:pPr/>
-              <a:t>11/30/2015</a:t>
+              <a:t>12/1/2015</a:t>
             </a:fld>
             <a:endParaRPr lang="en-US" dirty="0"/>
           </a:p>
@@ -2344,7 +2344,7 @@
             <a:fld id="{1D8BD707-D9CF-40AE-B4C6-C98DA3205C09}" type="datetimeFigureOut">
               <a:rPr lang="en-US" smtClean="0"/>
               <a:pPr/>
-              <a:t>11/30/2015</a:t>
+              <a:t>12/1/2015</a:t>
             </a:fld>
             <a:endParaRPr lang="en-US" dirty="0"/>
           </a:p>
@@ -2441,7 +2441,7 @@
             <a:fld id="{1D8BD707-D9CF-40AE-B4C6-C98DA3205C09}" type="datetimeFigureOut">
               <a:rPr lang="en-US" smtClean="0"/>
               <a:pPr/>
-              <a:t>11/30/2015</a:t>
+              <a:t>12/1/2015</a:t>
             </a:fld>
             <a:endParaRPr lang="en-US" dirty="0"/>
           </a:p>
@@ -2720,7 +2720,7 @@
             <a:fld id="{1D8BD707-D9CF-40AE-B4C6-C98DA3205C09}" type="datetimeFigureOut">
               <a:rPr lang="en-US" smtClean="0"/>
               <a:pPr/>
-              <a:t>11/30/2015</a:t>
+              <a:t>12/1/2015</a:t>
             </a:fld>
             <a:endParaRPr lang="en-US" dirty="0"/>
           </a:p>
@@ -2975,7 +2975,7 @@
             <a:fld id="{1D8BD707-D9CF-40AE-B4C6-C98DA3205C09}" type="datetimeFigureOut">
               <a:rPr lang="en-US" smtClean="0"/>
               <a:pPr/>
-              <a:t>11/30/2015</a:t>
+              <a:t>12/1/2015</a:t>
             </a:fld>
             <a:endParaRPr lang="en-US" dirty="0"/>
           </a:p>
@@ -3190,7 +3190,7 @@
             <a:fld id="{1D8BD707-D9CF-40AE-B4C6-C98DA3205C09}" type="datetimeFigureOut">
               <a:rPr lang="en-US" smtClean="0"/>
               <a:pPr/>
-              <a:t>11/30/2015</a:t>
+              <a:t>12/1/2015</a:t>
             </a:fld>
             <a:endParaRPr lang="en-US" dirty="0"/>
           </a:p>
@@ -3878,8 +3878,12 @@
           <a:lstStyle/>
           <a:p>
             <a:r>
+              <a:rPr lang="en-US" sz="1200" dirty="0"/>
+              <a:t>c</a:t>
+            </a:r>
+            <a:r>
               <a:rPr lang="en-US" sz="1200" dirty="0" smtClean="0"/>
-              <a:t>Class </a:t>
+              <a:t>lass </a:t>
             </a:r>
             <a:r>
               <a:rPr lang="en-US" sz="1200" dirty="0"/>
@@ -3922,13 +3926,16 @@
             </a:r>
             <a:r>
               <a:rPr lang="en-US" sz="1200" dirty="0" smtClean="0"/>
-              <a:t>  C</a:t>
+              <a:t>  </a:t>
             </a:r>
             <a:r>
               <a:rPr lang="en-US" sz="1200" dirty="0" smtClean="0"/>
-              <a:t>lass InnerClass</a:t>
-            </a:r>
-            <a:endParaRPr lang="en-US" sz="1200" dirty="0" smtClean="0"/>
+              <a:t>class </a:t>
+            </a:r>
+            <a:r>
+              <a:rPr lang="en-US" sz="1200" dirty="0" smtClean="0"/>
+              <a:t>InnerClass</a:t>
+            </a:r>
           </a:p>
           <a:p>
             <a:r>
@@ -4003,8 +4010,12 @@
           <a:lstStyle/>
           <a:p>
             <a:r>
+              <a:rPr lang="en-US" sz="1200" dirty="0"/>
+              <a:t>c</a:t>
+            </a:r>
+            <a:r>
               <a:rPr lang="en-US" sz="1200" dirty="0" smtClean="0"/>
-              <a:t>Class </a:t>
+              <a:t>lass </a:t>
             </a:r>
             <a:r>
               <a:rPr lang="en-US" sz="1200" dirty="0"/>
@@ -4051,9 +4062,12 @@
             </a:r>
             <a:r>
               <a:rPr lang="en-US" sz="1200" dirty="0" smtClean="0"/>
-              <a:t>Class InnerClass</a:t>
-            </a:r>
-            <a:endParaRPr lang="en-US" sz="1200" dirty="0" smtClean="0"/>
+              <a:t>class </a:t>
+            </a:r>
+            <a:r>
+              <a:rPr lang="en-US" sz="1200" dirty="0" smtClean="0"/>
+              <a:t>InnerClass</a:t>
+            </a:r>
           </a:p>
           <a:p>
             <a:r>
@@ -4128,8 +4142,12 @@
           <a:lstStyle/>
           <a:p>
             <a:r>
+              <a:rPr lang="en-US" sz="1200" dirty="0"/>
+              <a:t>c</a:t>
+            </a:r>
+            <a:r>
               <a:rPr lang="en-US" sz="1200" dirty="0" smtClean="0"/>
-              <a:t>Class </a:t>
+              <a:t>lass </a:t>
             </a:r>
             <a:r>
               <a:rPr lang="en-US" sz="1200" dirty="0"/>
@@ -4171,10 +4189,17 @@
               <a:t>protected </a:t>
             </a:r>
             <a:r>
+              <a:rPr lang="en-US" sz="1200" dirty="0"/>
+              <a:t>c</a:t>
+            </a:r>
+            <a:r>
               <a:rPr lang="en-US" sz="1200" dirty="0" smtClean="0"/>
-              <a:t>Class InnerClass</a:t>
-            </a:r>
-            <a:endParaRPr lang="en-US" sz="1200" dirty="0" smtClean="0"/>
+              <a:t>lass </a:t>
+            </a:r>
+            <a:r>
+              <a:rPr lang="en-US" sz="1200" dirty="0" smtClean="0"/>
+              <a:t>InnerClass</a:t>
+            </a:r>
           </a:p>
           <a:p>
             <a:r>
@@ -4250,7 +4275,7 @@
           <a:p>
             <a:r>
               <a:rPr lang="en-US" sz="1200" dirty="0" smtClean="0"/>
-              <a:t>Class </a:t>
+              <a:t>class </a:t>
             </a:r>
             <a:r>
               <a:rPr lang="en-US" sz="1200" dirty="0"/>
@@ -4276,10 +4301,17 @@
           </a:p>
           <a:p>
             <a:r>
+              <a:rPr lang="en-US" sz="1200" smtClean="0"/>
+              <a:t>   </a:t>
+            </a:r>
+            <a:r>
+              <a:rPr lang="en-US" sz="1200" smtClean="0"/>
+              <a:t>class </a:t>
+            </a:r>
+            <a:r>
               <a:rPr lang="en-US" sz="1200" dirty="0" smtClean="0"/>
-              <a:t>   Class InnerClass</a:t>
-            </a:r>
-            <a:endParaRPr lang="en-US" sz="1200" dirty="0" smtClean="0"/>
+              <a:t>InnerClass</a:t>
+            </a:r>
           </a:p>
           <a:p>
             <a:r>
@@ -4504,23 +4536,7 @@
             </a:r>
             <a:r>
               <a:rPr lang="en-US" sz="1050" dirty="0"/>
-              <a:t> </a:t>
-            </a:r>
-            <a:r>
-              <a:rPr lang="en-US" sz="1050" dirty="0"/>
-              <a:t>private</a:t>
-            </a:r>
-            <a:r>
-              <a:rPr lang="en-US" sz="1050" dirty="0"/>
-              <a:t>, </a:t>
-            </a:r>
-            <a:r>
-              <a:rPr lang="en-US" sz="1050" dirty="0"/>
-              <a:t>public</a:t>
-            </a:r>
-            <a:r>
-              <a:rPr lang="en-US" sz="1050" dirty="0"/>
-              <a:t>, </a:t>
+              <a:t> private, public, </a:t>
             </a:r>
             <a:r>
               <a:rPr lang="en-US" sz="1050" dirty="0" smtClean="0"/>
@@ -4528,11 +4544,7 @@
             </a:r>
             <a:r>
               <a:rPr lang="en-US" sz="1050" dirty="0"/>
-              <a:t>package-private (no explicit modifier) </a:t>
-            </a:r>
-            <a:r>
-              <a:rPr lang="en-US" sz="1050" dirty="0"/>
-              <a:t> to restrict access to inner classes, just as </a:t>
+              <a:t>package-private (no explicit modifier)  to restrict access to inner classes, just as </a:t>
             </a:r>
             <a:r>
               <a:rPr lang="en-US" sz="1050" dirty="0" smtClean="0"/>
@@ -4550,7 +4562,6 @@
               <a:rPr lang="en-US" sz="1050" dirty="0"/>
               <a:t>restrict access do to other class members.</a:t>
             </a:r>
-            <a:endParaRPr lang="en-US" sz="1050" dirty="0"/>
           </a:p>
         </p:txBody>
       </p:sp>
